--- a/images/figures.pptx
+++ b/images/figures.pptx
@@ -104,6 +104,11 @@
       </a:defRPr>
     </a:lvl9pPr>
   </p:defaultTextStyle>
+  <p:extLst>
+    <p:ext uri="{EFAFB233-063F-42B5-8137-9DF3F51BA10A}">
+      <p15:sldGuideLst xmlns:p15="http://schemas.microsoft.com/office/powerpoint/2012/main"/>
+    </p:ext>
+  </p:extLst>
 </p:presentation>
 </file>
 
@@ -254,7 +259,7 @@
           <a:p>
             <a:fld id="{FC01275E-02F6-4966-A5D6-89DEE373CC43}" type="datetimeFigureOut">
               <a:rPr lang="en-US" smtClean="0"/>
-              <a:t>7/27/2022</a:t>
+              <a:t>11/15/2022</a:t>
             </a:fld>
             <a:endParaRPr lang="en-US"/>
           </a:p>
@@ -452,7 +457,7 @@
           <a:p>
             <a:fld id="{FC01275E-02F6-4966-A5D6-89DEE373CC43}" type="datetimeFigureOut">
               <a:rPr lang="en-US" smtClean="0"/>
-              <a:t>7/27/2022</a:t>
+              <a:t>11/15/2022</a:t>
             </a:fld>
             <a:endParaRPr lang="en-US"/>
           </a:p>
@@ -660,7 +665,7 @@
           <a:p>
             <a:fld id="{FC01275E-02F6-4966-A5D6-89DEE373CC43}" type="datetimeFigureOut">
               <a:rPr lang="en-US" smtClean="0"/>
-              <a:t>7/27/2022</a:t>
+              <a:t>11/15/2022</a:t>
             </a:fld>
             <a:endParaRPr lang="en-US"/>
           </a:p>
@@ -858,7 +863,7 @@
           <a:p>
             <a:fld id="{FC01275E-02F6-4966-A5D6-89DEE373CC43}" type="datetimeFigureOut">
               <a:rPr lang="en-US" smtClean="0"/>
-              <a:t>7/27/2022</a:t>
+              <a:t>11/15/2022</a:t>
             </a:fld>
             <a:endParaRPr lang="en-US"/>
           </a:p>
@@ -1133,7 +1138,7 @@
           <a:p>
             <a:fld id="{FC01275E-02F6-4966-A5D6-89DEE373CC43}" type="datetimeFigureOut">
               <a:rPr lang="en-US" smtClean="0"/>
-              <a:t>7/27/2022</a:t>
+              <a:t>11/15/2022</a:t>
             </a:fld>
             <a:endParaRPr lang="en-US"/>
           </a:p>
@@ -1398,7 +1403,7 @@
           <a:p>
             <a:fld id="{FC01275E-02F6-4966-A5D6-89DEE373CC43}" type="datetimeFigureOut">
               <a:rPr lang="en-US" smtClean="0"/>
-              <a:t>7/27/2022</a:t>
+              <a:t>11/15/2022</a:t>
             </a:fld>
             <a:endParaRPr lang="en-US"/>
           </a:p>
@@ -1810,7 +1815,7 @@
           <a:p>
             <a:fld id="{FC01275E-02F6-4966-A5D6-89DEE373CC43}" type="datetimeFigureOut">
               <a:rPr lang="en-US" smtClean="0"/>
-              <a:t>7/27/2022</a:t>
+              <a:t>11/15/2022</a:t>
             </a:fld>
             <a:endParaRPr lang="en-US"/>
           </a:p>
@@ -1951,7 +1956,7 @@
           <a:p>
             <a:fld id="{FC01275E-02F6-4966-A5D6-89DEE373CC43}" type="datetimeFigureOut">
               <a:rPr lang="en-US" smtClean="0"/>
-              <a:t>7/27/2022</a:t>
+              <a:t>11/15/2022</a:t>
             </a:fld>
             <a:endParaRPr lang="en-US"/>
           </a:p>
@@ -2064,7 +2069,7 @@
           <a:p>
             <a:fld id="{FC01275E-02F6-4966-A5D6-89DEE373CC43}" type="datetimeFigureOut">
               <a:rPr lang="en-US" smtClean="0"/>
-              <a:t>7/27/2022</a:t>
+              <a:t>11/15/2022</a:t>
             </a:fld>
             <a:endParaRPr lang="en-US"/>
           </a:p>
@@ -2375,7 +2380,7 @@
           <a:p>
             <a:fld id="{FC01275E-02F6-4966-A5D6-89DEE373CC43}" type="datetimeFigureOut">
               <a:rPr lang="en-US" smtClean="0"/>
-              <a:t>7/27/2022</a:t>
+              <a:t>11/15/2022</a:t>
             </a:fld>
             <a:endParaRPr lang="en-US"/>
           </a:p>
@@ -2663,7 +2668,7 @@
           <a:p>
             <a:fld id="{FC01275E-02F6-4966-A5D6-89DEE373CC43}" type="datetimeFigureOut">
               <a:rPr lang="en-US" smtClean="0"/>
-              <a:t>7/27/2022</a:t>
+              <a:t>11/15/2022</a:t>
             </a:fld>
             <a:endParaRPr lang="en-US"/>
           </a:p>
@@ -2904,7 +2909,7 @@
           <a:p>
             <a:fld id="{FC01275E-02F6-4966-A5D6-89DEE373CC43}" type="datetimeFigureOut">
               <a:rPr lang="en-US" smtClean="0"/>
-              <a:t>7/27/2022</a:t>
+              <a:t>11/15/2022</a:t>
             </a:fld>
             <a:endParaRPr lang="en-US"/>
           </a:p>
@@ -3988,6 +3993,227 @@
           </a:p>
         </p:txBody>
       </p:sp>
+      <p:sp>
+        <p:nvSpPr>
+          <p:cNvPr id="2" name="Freeform: Shape 1">
+            <a:extLst>
+              <a:ext uri="{FF2B5EF4-FFF2-40B4-BE49-F238E27FC236}">
+                <a16:creationId xmlns:a16="http://schemas.microsoft.com/office/drawing/2014/main" id="{8805091A-0082-4D4F-84A2-3583F2EE260A}"/>
+              </a:ext>
+            </a:extLst>
+          </p:cNvPr>
+          <p:cNvSpPr/>
+          <p:nvPr/>
+        </p:nvSpPr>
+        <p:spPr>
+          <a:xfrm>
+            <a:off x="5015999" y="3109426"/>
+            <a:ext cx="1558152" cy="1041401"/>
+          </a:xfrm>
+          <a:custGeom>
+            <a:avLst/>
+            <a:gdLst/>
+            <a:ahLst/>
+            <a:cxnLst/>
+            <a:rect l="0" t="0" r="0" b="0"/>
+            <a:pathLst>
+              <a:path w="2160005" h="1443653">
+                <a:moveTo>
+                  <a:pt x="0" y="1443652"/>
+                </a:moveTo>
+                <a:cubicBezTo>
+                  <a:pt x="21819" y="1443575"/>
+                  <a:pt x="43637" y="1443496"/>
+                  <a:pt x="65455" y="1443318"/>
+                </a:cubicBezTo>
+                <a:cubicBezTo>
+                  <a:pt x="87273" y="1443140"/>
+                  <a:pt x="109091" y="1442897"/>
+                  <a:pt x="130910" y="1442450"/>
+                </a:cubicBezTo>
+                <a:cubicBezTo>
+                  <a:pt x="152728" y="1442003"/>
+                  <a:pt x="174546" y="1441396"/>
+                  <a:pt x="196364" y="1440348"/>
+                </a:cubicBezTo>
+                <a:cubicBezTo>
+                  <a:pt x="218183" y="1439300"/>
+                  <a:pt x="240001" y="1437892"/>
+                  <a:pt x="261819" y="1435606"/>
+                </a:cubicBezTo>
+                <a:cubicBezTo>
+                  <a:pt x="283637" y="1433319"/>
+                  <a:pt x="305455" y="1430288"/>
+                  <a:pt x="327274" y="1425647"/>
+                </a:cubicBezTo>
+                <a:cubicBezTo>
+                  <a:pt x="349092" y="1421006"/>
+                  <a:pt x="370910" y="1414954"/>
+                  <a:pt x="392728" y="1406201"/>
+                </a:cubicBezTo>
+                <a:cubicBezTo>
+                  <a:pt x="414546" y="1397448"/>
+                  <a:pt x="436365" y="1386258"/>
+                  <a:pt x="458183" y="1370942"/>
+                </a:cubicBezTo>
+                <a:cubicBezTo>
+                  <a:pt x="480001" y="1355626"/>
+                  <a:pt x="501819" y="1336486"/>
+                  <a:pt x="523638" y="1311676"/>
+                </a:cubicBezTo>
+                <a:cubicBezTo>
+                  <a:pt x="545456" y="1286866"/>
+                  <a:pt x="567274" y="1256653"/>
+                  <a:pt x="589092" y="1219550"/>
+                </a:cubicBezTo>
+                <a:cubicBezTo>
+                  <a:pt x="610910" y="1182446"/>
+                  <a:pt x="632729" y="1138578"/>
+                  <a:pt x="654547" y="1087554"/>
+                </a:cubicBezTo>
+                <a:cubicBezTo>
+                  <a:pt x="676365" y="1036530"/>
+                  <a:pt x="698183" y="978216"/>
+                  <a:pt x="720001" y="914083"/>
+                </a:cubicBezTo>
+                <a:cubicBezTo>
+                  <a:pt x="741820" y="849950"/>
+                  <a:pt x="763638" y="779513"/>
+                  <a:pt x="785456" y="706542"/>
+                </a:cubicBezTo>
+                <a:cubicBezTo>
+                  <a:pt x="807274" y="633571"/>
+                  <a:pt x="829093" y="557231"/>
+                  <a:pt x="850911" y="483342"/>
+                </a:cubicBezTo>
+                <a:cubicBezTo>
+                  <a:pt x="872729" y="409453"/>
+                  <a:pt x="894547" y="336950"/>
+                  <a:pt x="916365" y="272625"/>
+                </a:cubicBezTo>
+                <a:cubicBezTo>
+                  <a:pt x="938184" y="208300"/>
+                  <a:pt x="960002" y="151086"/>
+                  <a:pt x="981820" y="107049"/>
+                </a:cubicBezTo>
+                <a:cubicBezTo>
+                  <a:pt x="1003638" y="63012"/>
+                  <a:pt x="1025456" y="31359"/>
+                  <a:pt x="1047275" y="15680"/>
+                </a:cubicBezTo>
+                <a:cubicBezTo>
+                  <a:pt x="1069093" y="0"/>
+                  <a:pt x="1090911" y="0"/>
+                  <a:pt x="1112729" y="15680"/>
+                </a:cubicBezTo>
+                <a:cubicBezTo>
+                  <a:pt x="1134548" y="31359"/>
+                  <a:pt x="1156366" y="63012"/>
+                  <a:pt x="1178184" y="107049"/>
+                </a:cubicBezTo>
+                <a:cubicBezTo>
+                  <a:pt x="1200002" y="151086"/>
+                  <a:pt x="1221820" y="208300"/>
+                  <a:pt x="1243639" y="272625"/>
+                </a:cubicBezTo>
+                <a:cubicBezTo>
+                  <a:pt x="1265457" y="336950"/>
+                  <a:pt x="1287275" y="409453"/>
+                  <a:pt x="1309093" y="483342"/>
+                </a:cubicBezTo>
+                <a:cubicBezTo>
+                  <a:pt x="1330911" y="557231"/>
+                  <a:pt x="1352730" y="633571"/>
+                  <a:pt x="1374548" y="706542"/>
+                </a:cubicBezTo>
+                <a:cubicBezTo>
+                  <a:pt x="1396366" y="779513"/>
+                  <a:pt x="1418184" y="849950"/>
+                  <a:pt x="1440003" y="914083"/>
+                </a:cubicBezTo>
+                <a:cubicBezTo>
+                  <a:pt x="1461821" y="978216"/>
+                  <a:pt x="1483639" y="1036530"/>
+                  <a:pt x="1505457" y="1087554"/>
+                </a:cubicBezTo>
+                <a:cubicBezTo>
+                  <a:pt x="1527275" y="1138577"/>
+                  <a:pt x="1549094" y="1182446"/>
+                  <a:pt x="1570912" y="1219550"/>
+                </a:cubicBezTo>
+                <a:cubicBezTo>
+                  <a:pt x="1592730" y="1256653"/>
+                  <a:pt x="1614548" y="1286866"/>
+                  <a:pt x="1636366" y="1311676"/>
+                </a:cubicBezTo>
+                <a:cubicBezTo>
+                  <a:pt x="1658185" y="1336485"/>
+                  <a:pt x="1680003" y="1355626"/>
+                  <a:pt x="1701821" y="1370942"/>
+                </a:cubicBezTo>
+                <a:cubicBezTo>
+                  <a:pt x="1723639" y="1386258"/>
+                  <a:pt x="1745458" y="1397448"/>
+                  <a:pt x="1767276" y="1406201"/>
+                </a:cubicBezTo>
+                <a:cubicBezTo>
+                  <a:pt x="1789094" y="1414954"/>
+                  <a:pt x="1810912" y="1421006"/>
+                  <a:pt x="1832730" y="1425647"/>
+                </a:cubicBezTo>
+                <a:cubicBezTo>
+                  <a:pt x="1854549" y="1430287"/>
+                  <a:pt x="1876367" y="1433319"/>
+                  <a:pt x="1898185" y="1435606"/>
+                </a:cubicBezTo>
+                <a:cubicBezTo>
+                  <a:pt x="1920003" y="1437892"/>
+                  <a:pt x="1941821" y="1439300"/>
+                  <a:pt x="1963640" y="1440348"/>
+                </a:cubicBezTo>
+                <a:cubicBezTo>
+                  <a:pt x="1985458" y="1441396"/>
+                  <a:pt x="2007276" y="1442003"/>
+                  <a:pt x="2029094" y="1442450"/>
+                </a:cubicBezTo>
+                <a:cubicBezTo>
+                  <a:pt x="2050913" y="1442897"/>
+                  <a:pt x="2072731" y="1443140"/>
+                  <a:pt x="2094549" y="1443318"/>
+                </a:cubicBezTo>
+                <a:cubicBezTo>
+                  <a:pt x="2116367" y="1443496"/>
+                  <a:pt x="2138185" y="1443575"/>
+                  <a:pt x="2160004" y="1443652"/>
+                </a:cubicBezTo>
+              </a:path>
+            </a:pathLst>
+          </a:custGeom>
+          <a:ln w="31750"/>
+        </p:spPr>
+        <p:style>
+          <a:lnRef idx="1">
+            <a:schemeClr val="accent1"/>
+          </a:lnRef>
+          <a:fillRef idx="0">
+            <a:schemeClr val="accent1"/>
+          </a:fillRef>
+          <a:effectRef idx="0">
+            <a:schemeClr val="accent1"/>
+          </a:effectRef>
+          <a:fontRef idx="minor">
+            <a:schemeClr val="tx1"/>
+          </a:fontRef>
+        </p:style>
+        <p:txBody>
+          <a:bodyPr rtlCol="0" anchor="ctr"/>
+          <a:lstStyle/>
+          <a:p>
+            <a:pPr algn="ctr"/>
+            <a:endParaRPr lang="en-US"/>
+          </a:p>
+        </p:txBody>
+      </p:sp>
     </p:spTree>
     <p:extLst>
       <p:ext uri="{BB962C8B-B14F-4D97-AF65-F5344CB8AC3E}">
